--- a/JSON คืออะไร.pptx
+++ b/JSON คืออะไร.pptx
@@ -8,6 +8,9 @@
     <p:sldId id="256" r:id="rId2"/>
     <p:sldId id="257" r:id="rId3"/>
     <p:sldId id="259" r:id="rId4"/>
+    <p:sldId id="260" r:id="rId5"/>
+    <p:sldId id="261" r:id="rId6"/>
+    <p:sldId id="262" r:id="rId7"/>
   </p:sldIdLst>
   <p:sldSz cx="12192000" cy="6858000"/>
   <p:notesSz cx="6858000" cy="9144000"/>
@@ -106,6 +109,11 @@
       </a:defRPr>
     </a:lvl9pPr>
   </p:defaultTextStyle>
+  <p:extLst>
+    <p:ext uri="{EFAFB233-063F-42B5-8137-9DF3F51BA10A}">
+      <p15:sldGuideLst xmlns:p15="http://schemas.microsoft.com/office/powerpoint/2012/main"/>
+    </p:ext>
+  </p:extLst>
 </p:presentation>
 </file>
 
@@ -4422,6 +4430,586 @@
 </p:sld>
 </file>
 
+<file path=ppt/slides/slide4.xml><?xml version="1.0" encoding="utf-8"?>
+<p:sld xmlns:a="http://schemas.openxmlformats.org/drawingml/2006/main" xmlns:r="http://schemas.openxmlformats.org/officeDocument/2006/relationships" xmlns:p="http://schemas.openxmlformats.org/presentationml/2006/main">
+  <p:cSld>
+    <p:spTree>
+      <p:nvGrpSpPr>
+        <p:cNvPr id="1" name=""/>
+        <p:cNvGrpSpPr/>
+        <p:nvPr/>
+      </p:nvGrpSpPr>
+      <p:grpSpPr>
+        <a:xfrm>
+          <a:off x="0" y="0"/>
+          <a:ext cx="0" cy="0"/>
+          <a:chOff x="0" y="0"/>
+          <a:chExt cx="0" cy="0"/>
+        </a:xfrm>
+      </p:grpSpPr>
+      <p:sp>
+        <p:nvSpPr>
+          <p:cNvPr id="2" name="ชื่อเรื่อง 1">
+            <a:extLst>
+              <a:ext uri="{FF2B5EF4-FFF2-40B4-BE49-F238E27FC236}">
+                <a16:creationId xmlns:a16="http://schemas.microsoft.com/office/drawing/2014/main" id="{DB6C72BB-5758-489C-A477-2E2FE27A1DE3}"/>
+              </a:ext>
+            </a:extLst>
+          </p:cNvPr>
+          <p:cNvSpPr>
+            <a:spLocks noGrp="1"/>
+          </p:cNvSpPr>
+          <p:nvPr>
+            <p:ph type="title"/>
+          </p:nvPr>
+        </p:nvSpPr>
+        <p:spPr>
+          <a:xfrm>
+            <a:off x="3302116" y="2302981"/>
+            <a:ext cx="5587768" cy="1325563"/>
+          </a:xfrm>
+        </p:spPr>
+        <p:txBody>
+          <a:bodyPr/>
+          <a:lstStyle/>
+          <a:p>
+            <a:r>
+              <a:rPr lang="en-US" dirty="0"/>
+              <a:t>JSON </a:t>
+            </a:r>
+            <a:r>
+              <a:rPr lang="th-TH" dirty="0"/>
+              <a:t>ต่างกับ </a:t>
+            </a:r>
+            <a:r>
+              <a:rPr lang="en-US" dirty="0"/>
+              <a:t>XML </a:t>
+            </a:r>
+            <a:r>
+              <a:rPr lang="th-TH" dirty="0"/>
+              <a:t>อย่างไร</a:t>
+            </a:r>
+            <a:endParaRPr lang="en-US" dirty="0"/>
+          </a:p>
+        </p:txBody>
+      </p:sp>
+    </p:spTree>
+    <p:extLst>
+      <p:ext uri="{BB962C8B-B14F-4D97-AF65-F5344CB8AC3E}">
+        <p14:creationId xmlns:p14="http://schemas.microsoft.com/office/powerpoint/2010/main" val="2818331463"/>
+      </p:ext>
+    </p:extLst>
+  </p:cSld>
+  <p:clrMapOvr>
+    <a:masterClrMapping/>
+  </p:clrMapOvr>
+</p:sld>
+</file>
+
+<file path=ppt/slides/slide5.xml><?xml version="1.0" encoding="utf-8"?>
+<p:sld xmlns:a="http://schemas.openxmlformats.org/drawingml/2006/main" xmlns:r="http://schemas.openxmlformats.org/officeDocument/2006/relationships" xmlns:p="http://schemas.openxmlformats.org/presentationml/2006/main">
+  <p:cSld>
+    <p:spTree>
+      <p:nvGrpSpPr>
+        <p:cNvPr id="1" name=""/>
+        <p:cNvGrpSpPr/>
+        <p:nvPr/>
+      </p:nvGrpSpPr>
+      <p:grpSpPr>
+        <a:xfrm>
+          <a:off x="0" y="0"/>
+          <a:ext cx="0" cy="0"/>
+          <a:chOff x="0" y="0"/>
+          <a:chExt cx="0" cy="0"/>
+        </a:xfrm>
+      </p:grpSpPr>
+      <p:sp>
+        <p:nvSpPr>
+          <p:cNvPr id="3" name="ตัวแทนเนื้อหา 2">
+            <a:extLst>
+              <a:ext uri="{FF2B5EF4-FFF2-40B4-BE49-F238E27FC236}">
+                <a16:creationId xmlns:a16="http://schemas.microsoft.com/office/drawing/2014/main" id="{198D5172-8136-4651-82B6-0FEFE577063A}"/>
+              </a:ext>
+            </a:extLst>
+          </p:cNvPr>
+          <p:cNvSpPr>
+            <a:spLocks noGrp="1"/>
+          </p:cNvSpPr>
+          <p:nvPr>
+            <p:ph idx="1"/>
+          </p:nvPr>
+        </p:nvSpPr>
+        <p:spPr>
+          <a:xfrm>
+            <a:off x="838200" y="1825625"/>
+            <a:ext cx="10515600" cy="2704430"/>
+          </a:xfrm>
+        </p:spPr>
+        <p:txBody>
+          <a:bodyPr>
+            <a:normAutofit fontScale="92500" lnSpcReduction="10000"/>
+          </a:bodyPr>
+          <a:lstStyle/>
+          <a:p>
+            <a:pPr algn="l" fontAlgn="base">
+              <a:buFont typeface="Arial" panose="020B0604020202020204" pitchFamily="34" charset="0"/>
+              <a:buChar char="•"/>
+            </a:pPr>
+            <a:r>
+              <a:rPr lang="en-US" b="1" i="0" dirty="0">
+                <a:solidFill>
+                  <a:srgbClr val="FF0000"/>
+                </a:solidFill>
+                <a:effectLst/>
+                <a:latin typeface="Prompt"/>
+              </a:rPr>
+              <a:t>JSON</a:t>
+            </a:r>
+            <a:r>
+              <a:rPr lang="en-US" b="0" i="0" dirty="0">
+                <a:solidFill>
+                  <a:srgbClr val="FF0000"/>
+                </a:solidFill>
+                <a:effectLst/>
+                <a:latin typeface="inherit"/>
+              </a:rPr>
+              <a:t> </a:t>
+            </a:r>
+            <a:r>
+              <a:rPr lang="th-TH" b="0" i="0" dirty="0">
+                <a:solidFill>
+                  <a:srgbClr val="000000"/>
+                </a:solidFill>
+                <a:effectLst/>
+                <a:latin typeface="inherit"/>
+              </a:rPr>
+              <a:t>มีโครงสร้างที่ไม่ซับซ้อน ทำให้ในการเก็บข้อมูลนั้นสั้นกระชับ ไม่ต้องใช้พื้นที่ในการเก็บโครงสร้างของข้อมูลมากเกินความจำเป็น</a:t>
+            </a:r>
+          </a:p>
+          <a:p>
+            <a:pPr marL="0" indent="0" algn="l" fontAlgn="base">
+              <a:buNone/>
+            </a:pPr>
+            <a:endParaRPr lang="th-TH" b="0" i="0" dirty="0">
+              <a:solidFill>
+                <a:srgbClr val="000000"/>
+              </a:solidFill>
+              <a:effectLst/>
+              <a:latin typeface="inherit"/>
+            </a:endParaRPr>
+          </a:p>
+          <a:p>
+            <a:pPr algn="l" fontAlgn="base">
+              <a:buFont typeface="Arial" panose="020B0604020202020204" pitchFamily="34" charset="0"/>
+              <a:buChar char="•"/>
+            </a:pPr>
+            <a:r>
+              <a:rPr lang="en-US" b="1" i="0" dirty="0">
+                <a:solidFill>
+                  <a:srgbClr val="0000FF"/>
+                </a:solidFill>
+                <a:effectLst/>
+                <a:latin typeface="Prompt"/>
+              </a:rPr>
+              <a:t>XML</a:t>
+            </a:r>
+            <a:r>
+              <a:rPr lang="en-US" b="0" i="0" dirty="0">
+                <a:solidFill>
+                  <a:srgbClr val="000000"/>
+                </a:solidFill>
+                <a:effectLst/>
+                <a:latin typeface="inherit"/>
+              </a:rPr>
+              <a:t> </a:t>
+            </a:r>
+            <a:r>
+              <a:rPr lang="th-TH" b="0" i="0" dirty="0">
+                <a:solidFill>
+                  <a:srgbClr val="000000"/>
+                </a:solidFill>
+                <a:effectLst/>
+                <a:latin typeface="inherit"/>
+              </a:rPr>
+              <a:t>มีหน้าตาเป็นการเก็บข้อมูลโดยเก็บไว้ใน </a:t>
+            </a:r>
+            <a:r>
+              <a:rPr lang="en-US" b="0" i="0" dirty="0">
+                <a:solidFill>
+                  <a:srgbClr val="000000"/>
+                </a:solidFill>
+                <a:effectLst/>
+                <a:latin typeface="inherit"/>
+              </a:rPr>
+              <a:t>tag </a:t>
+            </a:r>
+            <a:r>
+              <a:rPr lang="th-TH" b="0" i="0" dirty="0">
+                <a:solidFill>
+                  <a:srgbClr val="000000"/>
+                </a:solidFill>
+                <a:effectLst/>
+                <a:latin typeface="inherit"/>
+              </a:rPr>
+              <a:t>ที่จะต้องมี &lt;</a:t>
+            </a:r>
+            <a:r>
+              <a:rPr lang="en-US" b="0" i="0" dirty="0">
+                <a:solidFill>
+                  <a:srgbClr val="000000"/>
+                </a:solidFill>
+                <a:effectLst/>
+                <a:latin typeface="inherit"/>
+              </a:rPr>
+              <a:t>tag&gt; </a:t>
+            </a:r>
+            <a:r>
+              <a:rPr lang="th-TH" b="0" i="0" dirty="0">
+                <a:solidFill>
+                  <a:srgbClr val="000000"/>
+                </a:solidFill>
+                <a:effectLst/>
+                <a:latin typeface="inherit"/>
+              </a:rPr>
+              <a:t>เปิดและ &lt;/</a:t>
+            </a:r>
+            <a:r>
+              <a:rPr lang="en-US" b="0" i="0" dirty="0">
+                <a:solidFill>
+                  <a:srgbClr val="000000"/>
+                </a:solidFill>
+                <a:effectLst/>
+                <a:latin typeface="inherit"/>
+              </a:rPr>
+              <a:t>tag&gt; </a:t>
+            </a:r>
+            <a:r>
+              <a:rPr lang="th-TH" b="0" i="0" dirty="0">
+                <a:solidFill>
+                  <a:srgbClr val="000000"/>
+                </a:solidFill>
+                <a:effectLst/>
+                <a:latin typeface="inherit"/>
+              </a:rPr>
+              <a:t>ปิด เหมือนกับ </a:t>
+            </a:r>
+            <a:r>
+              <a:rPr lang="en-US" b="0" i="0" dirty="0">
+                <a:solidFill>
+                  <a:srgbClr val="000000"/>
+                </a:solidFill>
+                <a:effectLst/>
+                <a:latin typeface="inherit"/>
+              </a:rPr>
+              <a:t>HTML </a:t>
+            </a:r>
+            <a:r>
+              <a:rPr lang="th-TH" b="0" i="0" dirty="0">
+                <a:solidFill>
+                  <a:srgbClr val="000000"/>
+                </a:solidFill>
+                <a:effectLst/>
+                <a:latin typeface="inherit"/>
+              </a:rPr>
+              <a:t>ทำให้การเก็บ</a:t>
+            </a:r>
+            <a:r>
+              <a:rPr lang="th-TH" b="0" i="0" dirty="0" err="1">
+                <a:solidFill>
+                  <a:srgbClr val="000000"/>
+                </a:solidFill>
+                <a:effectLst/>
+                <a:latin typeface="inherit"/>
+              </a:rPr>
+              <a:t>ข้</a:t>
+            </a:r>
+            <a:r>
+              <a:rPr lang="th-TH" b="0" i="0" dirty="0">
+                <a:solidFill>
+                  <a:srgbClr val="000000"/>
+                </a:solidFill>
+                <a:effectLst/>
+                <a:latin typeface="inherit"/>
+              </a:rPr>
+              <a:t>อมูแต่ละตัวต้องใช้พื้นที่มากขึ้น โดยการนำไปใช้งานกับ </a:t>
+            </a:r>
+            <a:r>
+              <a:rPr lang="en-US" b="0" i="0" dirty="0">
+                <a:solidFill>
+                  <a:srgbClr val="000000"/>
+                </a:solidFill>
+                <a:effectLst/>
+                <a:latin typeface="inherit"/>
+              </a:rPr>
+              <a:t>JavaScript </a:t>
+            </a:r>
+            <a:r>
+              <a:rPr lang="th-TH" b="0" i="0" dirty="0">
+                <a:solidFill>
+                  <a:srgbClr val="000000"/>
+                </a:solidFill>
+                <a:effectLst/>
+                <a:latin typeface="inherit"/>
+              </a:rPr>
+              <a:t>ก็ยุ่งยากและช้ากว่า </a:t>
+            </a:r>
+            <a:r>
+              <a:rPr lang="en-US" b="0" i="0" dirty="0">
+                <a:solidFill>
+                  <a:srgbClr val="000000"/>
+                </a:solidFill>
+                <a:effectLst/>
+                <a:latin typeface="inherit"/>
+              </a:rPr>
+              <a:t>JSON </a:t>
+            </a:r>
+            <a:r>
+              <a:rPr lang="th-TH" b="0" i="0" dirty="0">
+                <a:solidFill>
+                  <a:srgbClr val="000000"/>
+                </a:solidFill>
+                <a:effectLst/>
+                <a:latin typeface="inherit"/>
+              </a:rPr>
+              <a:t>โดยจะต้องดึงข้อมูล </a:t>
+            </a:r>
+            <a:r>
+              <a:rPr lang="en-US" b="0" i="0" dirty="0">
+                <a:solidFill>
+                  <a:srgbClr val="000000"/>
+                </a:solidFill>
+                <a:effectLst/>
+                <a:latin typeface="inherit"/>
+              </a:rPr>
+              <a:t>XML Document </a:t>
+            </a:r>
+            <a:r>
+              <a:rPr lang="th-TH" b="0" i="0" dirty="0">
+                <a:solidFill>
+                  <a:srgbClr val="000000"/>
+                </a:solidFill>
+                <a:effectLst/>
+                <a:latin typeface="inherit"/>
+              </a:rPr>
+              <a:t>และ </a:t>
+            </a:r>
+            <a:r>
+              <a:rPr lang="en-US" b="0" i="0" dirty="0">
+                <a:solidFill>
+                  <a:srgbClr val="000000"/>
+                </a:solidFill>
+                <a:effectLst/>
+                <a:latin typeface="inherit"/>
+              </a:rPr>
+              <a:t>loop </a:t>
+            </a:r>
+            <a:r>
+              <a:rPr lang="th-TH" b="0" i="0" dirty="0">
+                <a:solidFill>
+                  <a:srgbClr val="000000"/>
+                </a:solidFill>
+                <a:effectLst/>
+                <a:latin typeface="inherit"/>
+              </a:rPr>
+              <a:t>เข้าไปทำการเก็บข้อมูลออกมาใส่ตัวแปรไว้อีกที</a:t>
+            </a:r>
+          </a:p>
+          <a:p>
+            <a:endParaRPr lang="en-US" dirty="0"/>
+          </a:p>
+        </p:txBody>
+      </p:sp>
+    </p:spTree>
+    <p:extLst>
+      <p:ext uri="{BB962C8B-B14F-4D97-AF65-F5344CB8AC3E}">
+        <p14:creationId xmlns:p14="http://schemas.microsoft.com/office/powerpoint/2010/main" val="1372636887"/>
+      </p:ext>
+    </p:extLst>
+  </p:cSld>
+  <p:clrMapOvr>
+    <a:masterClrMapping/>
+  </p:clrMapOvr>
+</p:sld>
+</file>
+
+<file path=ppt/slides/slide6.xml><?xml version="1.0" encoding="utf-8"?>
+<p:sld xmlns:a="http://schemas.openxmlformats.org/drawingml/2006/main" xmlns:r="http://schemas.openxmlformats.org/officeDocument/2006/relationships" xmlns:p="http://schemas.openxmlformats.org/presentationml/2006/main">
+  <p:cSld>
+    <p:spTree>
+      <p:nvGrpSpPr>
+        <p:cNvPr id="1" name=""/>
+        <p:cNvGrpSpPr/>
+        <p:nvPr/>
+      </p:nvGrpSpPr>
+      <p:grpSpPr>
+        <a:xfrm>
+          <a:off x="0" y="0"/>
+          <a:ext cx="0" cy="0"/>
+          <a:chOff x="0" y="0"/>
+          <a:chExt cx="0" cy="0"/>
+        </a:xfrm>
+      </p:grpSpPr>
+      <p:sp>
+        <p:nvSpPr>
+          <p:cNvPr id="2" name="ชื่อเรื่อง 1">
+            <a:extLst>
+              <a:ext uri="{FF2B5EF4-FFF2-40B4-BE49-F238E27FC236}">
+                <a16:creationId xmlns:a16="http://schemas.microsoft.com/office/drawing/2014/main" id="{920D0D4E-29B9-419E-A56E-BF2357484312}"/>
+              </a:ext>
+            </a:extLst>
+          </p:cNvPr>
+          <p:cNvSpPr>
+            <a:spLocks noGrp="1"/>
+          </p:cNvSpPr>
+          <p:nvPr>
+            <p:ph type="title"/>
+          </p:nvPr>
+        </p:nvSpPr>
+        <p:spPr/>
+        <p:txBody>
+          <a:bodyPr/>
+          <a:lstStyle/>
+          <a:p>
+            <a:r>
+              <a:rPr lang="th-TH" dirty="0"/>
+              <a:t>โค้ดตัวอย่างการใช้งาน</a:t>
+            </a:r>
+            <a:endParaRPr lang="en-US" dirty="0"/>
+          </a:p>
+        </p:txBody>
+      </p:sp>
+      <p:pic>
+        <p:nvPicPr>
+          <p:cNvPr id="5" name="ตัวแทนเนื้อหา 4" descr="รูปภาพประกอบด้วย รูปวาด&#10;&#10;คำอธิบายที่สร้างโดยอัตโนมัติ">
+            <a:extLst>
+              <a:ext uri="{FF2B5EF4-FFF2-40B4-BE49-F238E27FC236}">
+                <a16:creationId xmlns:a16="http://schemas.microsoft.com/office/drawing/2014/main" id="{85C1B8B9-8044-4E6C-9471-23B904E1ED33}"/>
+              </a:ext>
+            </a:extLst>
+          </p:cNvPr>
+          <p:cNvPicPr>
+            <a:picLocks noGrp="1" noChangeAspect="1"/>
+          </p:cNvPicPr>
+          <p:nvPr>
+            <p:ph idx="1"/>
+          </p:nvPr>
+        </p:nvPicPr>
+        <p:blipFill>
+          <a:blip r:embed="rId2">
+            <a:extLst>
+              <a:ext uri="{28A0092B-C50C-407E-A947-70E740481C1C}">
+                <a14:useLocalDpi xmlns:a14="http://schemas.microsoft.com/office/drawing/2010/main" val="0"/>
+              </a:ext>
+            </a:extLst>
+          </a:blip>
+          <a:stretch>
+            <a:fillRect/>
+          </a:stretch>
+        </p:blipFill>
+        <p:spPr>
+          <a:xfrm>
+            <a:off x="2880102" y="2075617"/>
+            <a:ext cx="4875123" cy="819907"/>
+          </a:xfrm>
+        </p:spPr>
+      </p:pic>
+      <p:sp>
+        <p:nvSpPr>
+          <p:cNvPr id="7" name="กล่องข้อความ 6">
+            <a:extLst>
+              <a:ext uri="{FF2B5EF4-FFF2-40B4-BE49-F238E27FC236}">
+                <a16:creationId xmlns:a16="http://schemas.microsoft.com/office/drawing/2014/main" id="{B0626952-B5E8-4796-A8A1-B8AF1949F9E8}"/>
+              </a:ext>
+            </a:extLst>
+          </p:cNvPr>
+          <p:cNvSpPr txBox="1"/>
+          <p:nvPr/>
+        </p:nvSpPr>
+        <p:spPr>
+          <a:xfrm>
+            <a:off x="3199002" y="3145976"/>
+            <a:ext cx="6096000" cy="369332"/>
+          </a:xfrm>
+          <a:prstGeom prst="rect">
+            <a:avLst/>
+          </a:prstGeom>
+          <a:noFill/>
+        </p:spPr>
+        <p:txBody>
+          <a:bodyPr wrap="square">
+            <a:spAutoFit/>
+          </a:bodyPr>
+          <a:lstStyle/>
+          <a:p>
+            <a:r>
+              <a:rPr lang="th-TH" dirty="0"/>
+              <a:t>ตอนนี้ข้อมูลในตัวแปร </a:t>
+            </a:r>
+            <a:r>
+              <a:rPr lang="en-US" dirty="0" err="1"/>
+              <a:t>myObj</a:t>
+            </a:r>
+            <a:r>
+              <a:rPr lang="en-US" dirty="0"/>
+              <a:t> </a:t>
+            </a:r>
+            <a:r>
+              <a:rPr lang="th-TH" dirty="0"/>
+              <a:t>ของเราจะมีหน้าตาแบบนี้</a:t>
+            </a:r>
+            <a:endParaRPr lang="en-US" dirty="0"/>
+          </a:p>
+        </p:txBody>
+      </p:sp>
+      <p:pic>
+        <p:nvPicPr>
+          <p:cNvPr id="9" name="รูปภาพ 8">
+            <a:extLst>
+              <a:ext uri="{FF2B5EF4-FFF2-40B4-BE49-F238E27FC236}">
+                <a16:creationId xmlns:a16="http://schemas.microsoft.com/office/drawing/2014/main" id="{761036B4-FD90-42CC-BD92-768597349A5E}"/>
+              </a:ext>
+            </a:extLst>
+          </p:cNvPr>
+          <p:cNvPicPr>
+            <a:picLocks noChangeAspect="1"/>
+          </p:cNvPicPr>
+          <p:nvPr/>
+        </p:nvPicPr>
+        <p:blipFill>
+          <a:blip r:embed="rId3">
+            <a:extLst>
+              <a:ext uri="{28A0092B-C50C-407E-A947-70E740481C1C}">
+                <a14:useLocalDpi xmlns:a14="http://schemas.microsoft.com/office/drawing/2010/main" val="0"/>
+              </a:ext>
+            </a:extLst>
+          </a:blip>
+          <a:stretch>
+            <a:fillRect/>
+          </a:stretch>
+        </p:blipFill>
+        <p:spPr>
+          <a:xfrm>
+            <a:off x="3358276" y="3961312"/>
+            <a:ext cx="3921942" cy="473791"/>
+          </a:xfrm>
+          <a:prstGeom prst="rect">
+            <a:avLst/>
+          </a:prstGeom>
+        </p:spPr>
+      </p:pic>
+    </p:spTree>
+    <p:extLst>
+      <p:ext uri="{BB962C8B-B14F-4D97-AF65-F5344CB8AC3E}">
+        <p14:creationId xmlns:p14="http://schemas.microsoft.com/office/powerpoint/2010/main" val="3793397912"/>
+      </p:ext>
+    </p:extLst>
+  </p:cSld>
+  <p:clrMapOvr>
+    <a:masterClrMapping/>
+  </p:clrMapOvr>
+</p:sld>
+</file>
+
 <file path=ppt/theme/theme1.xml><?xml version="1.0" encoding="utf-8"?>
 <a:theme xmlns:a="http://schemas.openxmlformats.org/drawingml/2006/main" name="Office Theme">
   <a:themeElements>
